--- a/Notes/3_Working_with_probability_distributions_red.pptx
+++ b/Notes/3_Working_with_probability_distributions_red.pptx
@@ -221,7 +221,7 @@
           <a:p>
             <a:fld id="{027B4E7F-53FF-E442-B187-FC7C51BE233E}" type="datetimeFigureOut">
               <a:rPr lang="en-US" smtClean="0"/>
-              <a:t>2/19/24</a:t>
+              <a:t>2/21/24</a:t>
             </a:fld>
             <a:endParaRPr lang="en-US"/>
           </a:p>
@@ -1572,7 +1572,7 @@
           <a:p>
             <a:fld id="{E0E7F0DC-04EE-9049-B425-ED487A403D83}" type="datetimeFigureOut">
               <a:rPr lang="en-US" smtClean="0"/>
-              <a:t>2/19/24</a:t>
+              <a:t>2/21/24</a:t>
             </a:fld>
             <a:endParaRPr lang="en-US"/>
           </a:p>
@@ -1742,7 +1742,7 @@
           <a:p>
             <a:fld id="{E0E7F0DC-04EE-9049-B425-ED487A403D83}" type="datetimeFigureOut">
               <a:rPr lang="en-US" smtClean="0"/>
-              <a:t>2/19/24</a:t>
+              <a:t>2/21/24</a:t>
             </a:fld>
             <a:endParaRPr lang="en-US"/>
           </a:p>
@@ -1922,7 +1922,7 @@
           <a:p>
             <a:fld id="{E0E7F0DC-04EE-9049-B425-ED487A403D83}" type="datetimeFigureOut">
               <a:rPr lang="en-US" smtClean="0"/>
-              <a:t>2/19/24</a:t>
+              <a:t>2/21/24</a:t>
             </a:fld>
             <a:endParaRPr lang="en-US"/>
           </a:p>
@@ -2092,7 +2092,7 @@
           <a:p>
             <a:fld id="{E0E7F0DC-04EE-9049-B425-ED487A403D83}" type="datetimeFigureOut">
               <a:rPr lang="en-US" smtClean="0"/>
-              <a:t>2/19/24</a:t>
+              <a:t>2/21/24</a:t>
             </a:fld>
             <a:endParaRPr lang="en-US"/>
           </a:p>
@@ -2336,7 +2336,7 @@
           <a:p>
             <a:fld id="{E0E7F0DC-04EE-9049-B425-ED487A403D83}" type="datetimeFigureOut">
               <a:rPr lang="en-US" smtClean="0"/>
-              <a:t>2/19/24</a:t>
+              <a:t>2/21/24</a:t>
             </a:fld>
             <a:endParaRPr lang="en-US"/>
           </a:p>
@@ -2568,7 +2568,7 @@
           <a:p>
             <a:fld id="{E0E7F0DC-04EE-9049-B425-ED487A403D83}" type="datetimeFigureOut">
               <a:rPr lang="en-US" smtClean="0"/>
-              <a:t>2/19/24</a:t>
+              <a:t>2/21/24</a:t>
             </a:fld>
             <a:endParaRPr lang="en-US"/>
           </a:p>
@@ -2935,7 +2935,7 @@
           <a:p>
             <a:fld id="{E0E7F0DC-04EE-9049-B425-ED487A403D83}" type="datetimeFigureOut">
               <a:rPr lang="en-US" smtClean="0"/>
-              <a:t>2/19/24</a:t>
+              <a:t>2/21/24</a:t>
             </a:fld>
             <a:endParaRPr lang="en-US"/>
           </a:p>
@@ -3053,7 +3053,7 @@
           <a:p>
             <a:fld id="{E0E7F0DC-04EE-9049-B425-ED487A403D83}" type="datetimeFigureOut">
               <a:rPr lang="en-US" smtClean="0"/>
-              <a:t>2/19/24</a:t>
+              <a:t>2/21/24</a:t>
             </a:fld>
             <a:endParaRPr lang="en-US"/>
           </a:p>
@@ -3148,7 +3148,7 @@
           <a:p>
             <a:fld id="{E0E7F0DC-04EE-9049-B425-ED487A403D83}" type="datetimeFigureOut">
               <a:rPr lang="en-US" smtClean="0"/>
-              <a:t>2/19/24</a:t>
+              <a:t>2/21/24</a:t>
             </a:fld>
             <a:endParaRPr lang="en-US"/>
           </a:p>
@@ -3425,7 +3425,7 @@
           <a:p>
             <a:fld id="{E0E7F0DC-04EE-9049-B425-ED487A403D83}" type="datetimeFigureOut">
               <a:rPr lang="en-US" smtClean="0"/>
-              <a:t>2/19/24</a:t>
+              <a:t>2/21/24</a:t>
             </a:fld>
             <a:endParaRPr lang="en-US"/>
           </a:p>
@@ -3682,7 +3682,7 @@
           <a:p>
             <a:fld id="{E0E7F0DC-04EE-9049-B425-ED487A403D83}" type="datetimeFigureOut">
               <a:rPr lang="en-US" smtClean="0"/>
-              <a:t>2/19/24</a:t>
+              <a:t>2/21/24</a:t>
             </a:fld>
             <a:endParaRPr lang="en-US"/>
           </a:p>
@@ -3895,7 +3895,7 @@
           <a:p>
             <a:fld id="{E0E7F0DC-04EE-9049-B425-ED487A403D83}" type="datetimeFigureOut">
               <a:rPr lang="en-US" smtClean="0"/>
-              <a:t>2/19/24</a:t>
+              <a:t>2/21/24</a:t>
             </a:fld>
             <a:endParaRPr lang="en-US"/>
           </a:p>
@@ -10093,36 +10093,6 @@
       </p:sp>
       <p:pic>
         <p:nvPicPr>
-          <p:cNvPr id="11" name="Picture 10">
-            <a:extLst>
-              <a:ext uri="{FF2B5EF4-FFF2-40B4-BE49-F238E27FC236}">
-                <a16:creationId xmlns:a16="http://schemas.microsoft.com/office/drawing/2014/main" id="{B236D411-D163-BEF1-3013-28E8B30B4DAF}"/>
-              </a:ext>
-            </a:extLst>
-          </p:cNvPr>
-          <p:cNvPicPr>
-            <a:picLocks noChangeAspect="1"/>
-          </p:cNvPicPr>
-          <p:nvPr/>
-        </p:nvPicPr>
-        <p:blipFill>
-          <a:blip r:embed="rId5"/>
-          <a:stretch>
-            <a:fillRect/>
-          </a:stretch>
-        </p:blipFill>
-        <p:spPr>
-          <a:xfrm>
-            <a:off x="1653191" y="5655087"/>
-            <a:ext cx="938370" cy="223998"/>
-          </a:xfrm>
-          <a:prstGeom prst="rect">
-            <a:avLst/>
-          </a:prstGeom>
-        </p:spPr>
-      </p:pic>
-      <p:pic>
-        <p:nvPicPr>
           <p:cNvPr id="12" name="Picture 11">
             <a:extLst>
               <a:ext uri="{FF2B5EF4-FFF2-40B4-BE49-F238E27FC236}">
@@ -10136,7 +10106,7 @@
           <p:nvPr/>
         </p:nvPicPr>
         <p:blipFill>
-          <a:blip r:embed="rId6"/>
+          <a:blip r:embed="rId5"/>
           <a:stretch>
             <a:fillRect/>
           </a:stretch>
@@ -10523,7 +10493,7 @@
           <p:nvPr/>
         </p:nvPicPr>
         <p:blipFill>
-          <a:blip r:embed="rId7"/>
+          <a:blip r:embed="rId6"/>
           <a:stretch>
             <a:fillRect/>
           </a:stretch>
@@ -10576,6 +10546,36 @@
           </a:p>
         </p:txBody>
       </p:sp>
+      <p:pic>
+        <p:nvPicPr>
+          <p:cNvPr id="5" name="Picture 4">
+            <a:extLst>
+              <a:ext uri="{FF2B5EF4-FFF2-40B4-BE49-F238E27FC236}">
+                <a16:creationId xmlns:a16="http://schemas.microsoft.com/office/drawing/2014/main" id="{CD82E4FE-4ACB-6B9B-5DC3-40660DD4277B}"/>
+              </a:ext>
+            </a:extLst>
+          </p:cNvPr>
+          <p:cNvPicPr>
+            <a:picLocks noChangeAspect="1"/>
+          </p:cNvPicPr>
+          <p:nvPr/>
+        </p:nvPicPr>
+        <p:blipFill>
+          <a:blip r:embed="rId7"/>
+          <a:stretch>
+            <a:fillRect/>
+          </a:stretch>
+        </p:blipFill>
+        <p:spPr>
+          <a:xfrm>
+            <a:off x="1700836" y="5656763"/>
+            <a:ext cx="1104886" cy="223392"/>
+          </a:xfrm>
+          <a:prstGeom prst="rect">
+            <a:avLst/>
+          </a:prstGeom>
+        </p:spPr>
+      </p:pic>
     </p:spTree>
     <p:extLst>
       <p:ext uri="{BB962C8B-B14F-4D97-AF65-F5344CB8AC3E}">
@@ -14774,7 +14774,7 @@
                 <a:latin typeface="Courier"/>
                 <a:cs typeface="Courier"/>
               </a:rPr>
-              <a:t>pinif</a:t>
+              <a:t>punif</a:t>
             </a:r>
             <a:r>
               <a:rPr lang="en-US" sz="2400" b="1" dirty="0">
